--- a/Meeting/20190516 Meeting/20190502 Meeting.pptx
+++ b/Meeting/20190516 Meeting/20190502 Meeting.pptx
@@ -27392,7 +27392,7 @@
           <a:graphicData uri="http://schemas.openxmlformats.org/presentationml/2006/ole">
             <mc:AlternateContent xmlns:mc="http://schemas.openxmlformats.org/markup-compatibility/2006">
               <mc:Choice xmlns:v="urn:schemas-microsoft-com:vml" Requires="v">
-                <p:oleObj spid="_x0000_s1034" name="Equation" r:id="rId4" imgW="990360" imgH="241200" progId="Equation.DSMT4">
+                <p:oleObj spid="_x0000_s1036" name="Equation" r:id="rId4" imgW="990360" imgH="241200" progId="Equation.DSMT4">
                   <p:embed/>
                 </p:oleObj>
               </mc:Choice>
@@ -27449,7 +27449,7 @@
           <a:graphicData uri="http://schemas.openxmlformats.org/presentationml/2006/ole">
             <mc:AlternateContent xmlns:mc="http://schemas.openxmlformats.org/markup-compatibility/2006">
               <mc:Choice xmlns:v="urn:schemas-microsoft-com:vml" Requires="v">
-                <p:oleObj spid="_x0000_s1035" name="Equation" r:id="rId6" imgW="914400" imgH="241200" progId="Equation.DSMT4">
+                <p:oleObj spid="_x0000_s1037" name="Equation" r:id="rId6" imgW="914400" imgH="241200" progId="Equation.DSMT4">
                   <p:embed/>
                 </p:oleObj>
               </mc:Choice>
